--- a/Slides/Lec-30-ML-Overview.pptx
+++ b/Slides/Lec-30-ML-Overview.pptx
@@ -6,10 +6,10 @@
     <p:sldMasterId id="2147483946" r:id="rId5"/>
   </p:sldMasterIdLst>
   <p:notesMasterIdLst>
-    <p:notesMasterId r:id="rId15"/>
+    <p:notesMasterId r:id="rId16"/>
   </p:notesMasterIdLst>
   <p:handoutMasterIdLst>
-    <p:handoutMasterId r:id="rId16"/>
+    <p:handoutMasterId r:id="rId17"/>
   </p:handoutMasterIdLst>
   <p:sldIdLst>
     <p:sldId id="256" r:id="rId6"/>
@@ -21,6 +21,7 @@
     <p:sldId id="263" r:id="rId12"/>
     <p:sldId id="261" r:id="rId13"/>
     <p:sldId id="262" r:id="rId14"/>
+    <p:sldId id="265" r:id="rId15"/>
   </p:sldIdLst>
   <p:sldSz cx="12188825" cy="6858000"/>
   <p:notesSz cx="7010400" cy="9296400"/>
@@ -264,7 +265,7 @@
           <a:p>
             <a:fld id="{0B842F42-2CE9-4E35-95C1-410DC08A50B1}" type="datetimeFigureOut">
               <a:rPr lang="en-US" smtClean="0"/>
-              <a:t>3/13/19</a:t>
+              <a:t>6/18/19</a:t>
             </a:fld>
             <a:endParaRPr lang="en-US"/>
           </a:p>
@@ -429,7 +430,7 @@
           <a:p>
             <a:fld id="{6F282904-F315-4730-8D91-37D99E141A6F}" type="datetimeFigureOut">
               <a:rPr lang="en-US" smtClean="0"/>
-              <a:t>3/13/19</a:t>
+              <a:t>6/18/19</a:t>
             </a:fld>
             <a:endParaRPr lang="en-US"/>
           </a:p>
@@ -1283,7 +1284,6 @@
             </a:lightRig>
           </a:scene3d>
           <a:sp3d/>
-          <a:extLst/>
         </p:spPr>
       </p:pic>
       <p:pic>
@@ -2097,7 +2097,6 @@
             </a:lightRig>
           </a:scene3d>
           <a:sp3d/>
-          <a:extLst/>
         </p:spPr>
       </p:pic>
       <p:pic>
@@ -3806,7 +3805,6 @@
             </a:lightRig>
           </a:scene3d>
           <a:sp3d/>
-          <a:extLst/>
         </p:spPr>
       </p:pic>
       <p:pic>
@@ -4532,7 +4530,6 @@
             </a:lightRig>
           </a:scene3d>
           <a:sp3d/>
-          <a:extLst/>
         </p:spPr>
       </p:pic>
       <p:pic>
@@ -7151,7 +7148,13 @@
       </p:sp>
       <p:sp>
         <p:nvSpPr>
-          <p:cNvPr id="5" name="Subtitle 4"/>
+          <p:cNvPr id="3" name="Subtitle 2">
+            <a:extLst>
+              <a:ext uri="{FF2B5EF4-FFF2-40B4-BE49-F238E27FC236}">
+                <a16:creationId xmlns:a16="http://schemas.microsoft.com/office/drawing/2014/main" id="{1DB86121-4A8B-C442-BD24-65DA3CD7030B}"/>
+              </a:ext>
+            </a:extLst>
+          </p:cNvPr>
           <p:cNvSpPr>
             <a:spLocks noGrp="1"/>
           </p:cNvSpPr>
@@ -7164,37 +7167,7 @@
           <a:bodyPr/>
           <a:lstStyle/>
           <a:p>
-            <a:r>
-              <a:rPr lang="en-US" dirty="0" err="1"/>
-              <a:t>Feiyi</a:t>
-            </a:r>
-            <a:r>
-              <a:rPr lang="en-US" dirty="0"/>
-              <a:t> Wang (</a:t>
-            </a:r>
-            <a:r>
-              <a:rPr lang="en-US" dirty="0" err="1"/>
-              <a:t>Ph.D</a:t>
-            </a:r>
-            <a:r>
-              <a:rPr lang="en-US" dirty="0"/>
-              <a:t>)</a:t>
-            </a:r>
-          </a:p>
-          <a:p>
-            <a:endParaRPr lang="en-US" dirty="0"/>
-          </a:p>
-          <a:p>
-            <a:r>
-              <a:rPr lang="en-US" dirty="0"/>
-              <a:t>Technology Integration</a:t>
-            </a:r>
-          </a:p>
-          <a:p>
-            <a:r>
-              <a:rPr lang="en-US" dirty="0"/>
-              <a:t>Oak Ridge Leadership Computing</a:t>
-            </a:r>
+            <a:endParaRPr lang="en-US"/>
           </a:p>
         </p:txBody>
       </p:sp>
@@ -7202,6 +7175,109 @@
     <p:extLst>
       <p:ext uri="{BB962C8B-B14F-4D97-AF65-F5344CB8AC3E}">
         <p14:creationId xmlns:p14="http://schemas.microsoft.com/office/powerpoint/2010/main" val="2705818599"/>
+      </p:ext>
+    </p:extLst>
+  </p:cSld>
+  <p:clrMapOvr>
+    <a:masterClrMapping/>
+  </p:clrMapOvr>
+</p:sld>
+</file>
+
+<file path=ppt/slides/slide10.xml><?xml version="1.0" encoding="utf-8"?>
+<p:sld xmlns:a="http://schemas.openxmlformats.org/drawingml/2006/main" xmlns:r="http://schemas.openxmlformats.org/officeDocument/2006/relationships" xmlns:p="http://schemas.openxmlformats.org/presentationml/2006/main">
+  <p:cSld>
+    <p:spTree>
+      <p:nvGrpSpPr>
+        <p:cNvPr id="1" name=""/>
+        <p:cNvGrpSpPr/>
+        <p:nvPr/>
+      </p:nvGrpSpPr>
+      <p:grpSpPr>
+        <a:xfrm>
+          <a:off x="0" y="0"/>
+          <a:ext cx="0" cy="0"/>
+          <a:chOff x="0" y="0"/>
+          <a:chExt cx="0" cy="0"/>
+        </a:xfrm>
+      </p:grpSpPr>
+      <p:sp>
+        <p:nvSpPr>
+          <p:cNvPr id="2" name="Title 1">
+            <a:extLst>
+              <a:ext uri="{FF2B5EF4-FFF2-40B4-BE49-F238E27FC236}">
+                <a16:creationId xmlns:a16="http://schemas.microsoft.com/office/drawing/2014/main" id="{C4666668-1827-9541-8E7F-922A8AD13450}"/>
+              </a:ext>
+            </a:extLst>
+          </p:cNvPr>
+          <p:cNvSpPr>
+            <a:spLocks noGrp="1"/>
+          </p:cNvSpPr>
+          <p:nvPr>
+            <p:ph type="title"/>
+          </p:nvPr>
+        </p:nvSpPr>
+        <p:spPr>
+          <a:xfrm>
+            <a:off x="344288" y="320040"/>
+            <a:ext cx="11422261" cy="511166"/>
+          </a:xfrm>
+        </p:spPr>
+        <p:txBody>
+          <a:bodyPr/>
+          <a:lstStyle/>
+          <a:p>
+            <a:r>
+              <a:rPr lang="en-US" dirty="0"/>
+              <a:t>References</a:t>
+            </a:r>
+          </a:p>
+        </p:txBody>
+      </p:sp>
+      <p:sp>
+        <p:nvSpPr>
+          <p:cNvPr id="3" name="Content Placeholder 2">
+            <a:extLst>
+              <a:ext uri="{FF2B5EF4-FFF2-40B4-BE49-F238E27FC236}">
+                <a16:creationId xmlns:a16="http://schemas.microsoft.com/office/drawing/2014/main" id="{110B26E2-642D-CD43-B82A-DEBC9AA9ECAC}"/>
+              </a:ext>
+            </a:extLst>
+          </p:cNvPr>
+          <p:cNvSpPr>
+            <a:spLocks noGrp="1"/>
+          </p:cNvSpPr>
+          <p:nvPr>
+            <p:ph idx="1"/>
+          </p:nvPr>
+        </p:nvSpPr>
+        <p:spPr/>
+        <p:txBody>
+          <a:bodyPr/>
+          <a:lstStyle/>
+          <a:p>
+            <a:pPr marL="342900" indent="-342900">
+              <a:buFont typeface="+mj-lt"/>
+              <a:buAutoNum type="arabicPeriod"/>
+            </a:pPr>
+            <a:r>
+              <a:rPr lang="en-US" sz="1800" dirty="0"/>
+              <a:t>Introduction to Machine Learning with Python, </a:t>
+            </a:r>
+            <a:r>
+              <a:rPr lang="en-US" sz="1800"/>
+              <a:t>Andreas Müller </a:t>
+            </a:r>
+            <a:r>
+              <a:rPr lang="en-US" sz="1800" dirty="0"/>
+              <a:t>and Sarah Guido, 2016</a:t>
+            </a:r>
+          </a:p>
+        </p:txBody>
+      </p:sp>
+    </p:spTree>
+    <p:extLst>
+      <p:ext uri="{BB962C8B-B14F-4D97-AF65-F5344CB8AC3E}">
+        <p14:creationId xmlns:p14="http://schemas.microsoft.com/office/powerpoint/2010/main" val="2408644791"/>
       </p:ext>
     </p:extLst>
   </p:cSld>
@@ -10528,18 +10604,18 @@
 </file>
 
 <file path=customXml/item1.xml><?xml version="1.0" encoding="utf-8"?>
-<p:properties xmlns:p="http://schemas.microsoft.com/office/2006/metadata/properties" xmlns:xsi="http://www.w3.org/2001/XMLSchema-instance" xmlns:pc="http://schemas.microsoft.com/office/infopath/2007/PartnerControls">
-  <documentManagement/>
-</p:properties>
-</file>
-
-<file path=customXml/item2.xml><?xml version="1.0" encoding="utf-8"?>
 <?mso-contentType ?>
 <FormTemplates xmlns="http://schemas.microsoft.com/sharepoint/v3/contenttype/forms">
   <Display>DocumentLibraryForm</Display>
   <Edit>DocumentLibraryForm</Edit>
   <New>DocumentLibraryForm</New>
 </FormTemplates>
+</file>
+
+<file path=customXml/item2.xml><?xml version="1.0" encoding="utf-8"?>
+<p:properties xmlns:p="http://schemas.microsoft.com/office/2006/metadata/properties" xmlns:xsi="http://www.w3.org/2001/XMLSchema-instance" xmlns:pc="http://schemas.microsoft.com/office/infopath/2007/PartnerControls">
+  <documentManagement/>
+</p:properties>
 </file>
 
 <file path=customXml/item3.xml><?xml version="1.0" encoding="utf-8"?>
@@ -10657,6 +10733,14 @@
 </file>
 
 <file path=customXml/itemProps1.xml><?xml version="1.0" encoding="utf-8"?>
+<ds:datastoreItem xmlns:ds="http://schemas.openxmlformats.org/officeDocument/2006/customXml" ds:itemID="{19E20559-B232-4371-8690-E3D8007EDB82}">
+  <ds:schemaRefs>
+    <ds:schemaRef ds:uri="http://schemas.microsoft.com/sharepoint/v3/contenttype/forms"/>
+  </ds:schemaRefs>
+</ds:datastoreItem>
+</file>
+
+<file path=customXml/itemProps2.xml><?xml version="1.0" encoding="utf-8"?>
 <ds:datastoreItem xmlns:ds="http://schemas.openxmlformats.org/officeDocument/2006/customXml" ds:itemID="{A50EC660-24D0-43A0-AE5E-E274115E726B}">
   <ds:schemaRefs>
     <ds:schemaRef ds:uri="http://schemas.microsoft.com/office/2006/documentManagement/types"/>
@@ -10667,14 +10751,6 @@
     <ds:schemaRef ds:uri="http://purl.org/dc/terms/"/>
     <ds:schemaRef ds:uri="http://schemas.openxmlformats.org/package/2006/metadata/core-properties"/>
     <ds:schemaRef ds:uri="http://schemas.microsoft.com/office/2006/metadata/properties"/>
-  </ds:schemaRefs>
-</ds:datastoreItem>
-</file>
-
-<file path=customXml/itemProps2.xml><?xml version="1.0" encoding="utf-8"?>
-<ds:datastoreItem xmlns:ds="http://schemas.openxmlformats.org/officeDocument/2006/customXml" ds:itemID="{19E20559-B232-4371-8690-E3D8007EDB82}">
-  <ds:schemaRefs>
-    <ds:schemaRef ds:uri="http://schemas.microsoft.com/sharepoint/v3/contenttype/forms"/>
   </ds:schemaRefs>
 </ds:datastoreItem>
 </file>
